--- a/attachments/物料表.pptx
+++ b/attachments/物料表.pptx
@@ -5,9 +5,9 @@
     <p:sldMasterId id="2147483648" r:id="rId1"/>
   </p:sldMasterIdLst>
   <p:sldIdLst>
-    <p:sldId id="256" r:id="rId2"/>
-    <p:sldId id="258" r:id="rId3"/>
-    <p:sldId id="257" r:id="rId4"/>
+    <p:sldId id="257" r:id="rId2"/>
+    <p:sldId id="256" r:id="rId3"/>
+    <p:sldId id="258" r:id="rId4"/>
   </p:sldIdLst>
   <p:sldSz cx="12192000" cy="6858000"/>
   <p:notesSz cx="6858000" cy="9144000"/>
@@ -261,7 +261,7 @@
           <a:p>
             <a:fld id="{B790B805-9D30-8D47-A2FA-CE272D4C227A}" type="datetimeFigureOut">
               <a:rPr kumimoji="1" lang="zh-CN" altLang="en-US" smtClean="0"/>
-              <a:t>2022/1/12</a:t>
+              <a:t>2022/1/21</a:t>
             </a:fld>
             <a:endParaRPr kumimoji="1" lang="zh-CN" altLang="en-US"/>
           </a:p>
@@ -459,7 +459,7 @@
           <a:p>
             <a:fld id="{B790B805-9D30-8D47-A2FA-CE272D4C227A}" type="datetimeFigureOut">
               <a:rPr kumimoji="1" lang="zh-CN" altLang="en-US" smtClean="0"/>
-              <a:t>2022/1/12</a:t>
+              <a:t>2022/1/21</a:t>
             </a:fld>
             <a:endParaRPr kumimoji="1" lang="zh-CN" altLang="en-US"/>
           </a:p>
@@ -667,7 +667,7 @@
           <a:p>
             <a:fld id="{B790B805-9D30-8D47-A2FA-CE272D4C227A}" type="datetimeFigureOut">
               <a:rPr kumimoji="1" lang="zh-CN" altLang="en-US" smtClean="0"/>
-              <a:t>2022/1/12</a:t>
+              <a:t>2022/1/21</a:t>
             </a:fld>
             <a:endParaRPr kumimoji="1" lang="zh-CN" altLang="en-US"/>
           </a:p>
@@ -865,7 +865,7 @@
           <a:p>
             <a:fld id="{B790B805-9D30-8D47-A2FA-CE272D4C227A}" type="datetimeFigureOut">
               <a:rPr kumimoji="1" lang="zh-CN" altLang="en-US" smtClean="0"/>
-              <a:t>2022/1/12</a:t>
+              <a:t>2022/1/21</a:t>
             </a:fld>
             <a:endParaRPr kumimoji="1" lang="zh-CN" altLang="en-US"/>
           </a:p>
@@ -1140,7 +1140,7 @@
           <a:p>
             <a:fld id="{B790B805-9D30-8D47-A2FA-CE272D4C227A}" type="datetimeFigureOut">
               <a:rPr kumimoji="1" lang="zh-CN" altLang="en-US" smtClean="0"/>
-              <a:t>2022/1/12</a:t>
+              <a:t>2022/1/21</a:t>
             </a:fld>
             <a:endParaRPr kumimoji="1" lang="zh-CN" altLang="en-US"/>
           </a:p>
@@ -1405,7 +1405,7 @@
           <a:p>
             <a:fld id="{B790B805-9D30-8D47-A2FA-CE272D4C227A}" type="datetimeFigureOut">
               <a:rPr kumimoji="1" lang="zh-CN" altLang="en-US" smtClean="0"/>
-              <a:t>2022/1/12</a:t>
+              <a:t>2022/1/21</a:t>
             </a:fld>
             <a:endParaRPr kumimoji="1" lang="zh-CN" altLang="en-US"/>
           </a:p>
@@ -1817,7 +1817,7 @@
           <a:p>
             <a:fld id="{B790B805-9D30-8D47-A2FA-CE272D4C227A}" type="datetimeFigureOut">
               <a:rPr kumimoji="1" lang="zh-CN" altLang="en-US" smtClean="0"/>
-              <a:t>2022/1/12</a:t>
+              <a:t>2022/1/21</a:t>
             </a:fld>
             <a:endParaRPr kumimoji="1" lang="zh-CN" altLang="en-US"/>
           </a:p>
@@ -1958,7 +1958,7 @@
           <a:p>
             <a:fld id="{B790B805-9D30-8D47-A2FA-CE272D4C227A}" type="datetimeFigureOut">
               <a:rPr kumimoji="1" lang="zh-CN" altLang="en-US" smtClean="0"/>
-              <a:t>2022/1/12</a:t>
+              <a:t>2022/1/21</a:t>
             </a:fld>
             <a:endParaRPr kumimoji="1" lang="zh-CN" altLang="en-US"/>
           </a:p>
@@ -2071,7 +2071,7 @@
           <a:p>
             <a:fld id="{B790B805-9D30-8D47-A2FA-CE272D4C227A}" type="datetimeFigureOut">
               <a:rPr kumimoji="1" lang="zh-CN" altLang="en-US" smtClean="0"/>
-              <a:t>2022/1/12</a:t>
+              <a:t>2022/1/21</a:t>
             </a:fld>
             <a:endParaRPr kumimoji="1" lang="zh-CN" altLang="en-US"/>
           </a:p>
@@ -2382,7 +2382,7 @@
           <a:p>
             <a:fld id="{B790B805-9D30-8D47-A2FA-CE272D4C227A}" type="datetimeFigureOut">
               <a:rPr kumimoji="1" lang="zh-CN" altLang="en-US" smtClean="0"/>
-              <a:t>2022/1/12</a:t>
+              <a:t>2022/1/21</a:t>
             </a:fld>
             <a:endParaRPr kumimoji="1" lang="zh-CN" altLang="en-US"/>
           </a:p>
@@ -2670,7 +2670,7 @@
           <a:p>
             <a:fld id="{B790B805-9D30-8D47-A2FA-CE272D4C227A}" type="datetimeFigureOut">
               <a:rPr kumimoji="1" lang="zh-CN" altLang="en-US" smtClean="0"/>
-              <a:t>2022/1/12</a:t>
+              <a:t>2022/1/21</a:t>
             </a:fld>
             <a:endParaRPr kumimoji="1" lang="zh-CN" altLang="en-US"/>
           </a:p>
@@ -2911,7 +2911,7 @@
           <a:p>
             <a:fld id="{B790B805-9D30-8D47-A2FA-CE272D4C227A}" type="datetimeFigureOut">
               <a:rPr kumimoji="1" lang="zh-CN" altLang="en-US" smtClean="0"/>
-              <a:t>2022/1/12</a:t>
+              <a:t>2022/1/21</a:t>
             </a:fld>
             <a:endParaRPr kumimoji="1" lang="zh-CN" altLang="en-US"/>
           </a:p>
@@ -3328,6 +3328,117 @@
           <a:chExt cx="0" cy="0"/>
         </a:xfrm>
       </p:grpSpPr>
+      <p:pic>
+        <p:nvPicPr>
+          <p:cNvPr id="3" name="图片 2">
+            <a:extLst>
+              <a:ext uri="{FF2B5EF4-FFF2-40B4-BE49-F238E27FC236}">
+                <a16:creationId xmlns:a16="http://schemas.microsoft.com/office/drawing/2014/main" id="{9955473F-B4CF-B948-B266-1BB6A09E0B3D}"/>
+              </a:ext>
+            </a:extLst>
+          </p:cNvPr>
+          <p:cNvPicPr>
+            <a:picLocks noChangeAspect="1"/>
+          </p:cNvPicPr>
+          <p:nvPr/>
+        </p:nvPicPr>
+        <p:blipFill>
+          <a:blip r:embed="rId2"/>
+          <a:stretch>
+            <a:fillRect/>
+          </a:stretch>
+        </p:blipFill>
+        <p:spPr>
+          <a:xfrm>
+            <a:off x="36053" y="1582615"/>
+            <a:ext cx="12119894" cy="3205774"/>
+          </a:xfrm>
+          <a:prstGeom prst="rect">
+            <a:avLst/>
+          </a:prstGeom>
+        </p:spPr>
+      </p:pic>
+      <p:sp>
+        <p:nvSpPr>
+          <p:cNvPr id="4" name="文本框 3">
+            <a:extLst>
+              <a:ext uri="{FF2B5EF4-FFF2-40B4-BE49-F238E27FC236}">
+                <a16:creationId xmlns:a16="http://schemas.microsoft.com/office/drawing/2014/main" id="{924A1F40-FB9F-514A-BD43-D0A4EC0621F3}"/>
+              </a:ext>
+            </a:extLst>
+          </p:cNvPr>
+          <p:cNvSpPr txBox="1"/>
+          <p:nvPr/>
+        </p:nvSpPr>
+        <p:spPr>
+          <a:xfrm>
+            <a:off x="152399" y="633046"/>
+            <a:ext cx="1920719" cy="369332"/>
+          </a:xfrm>
+          <a:prstGeom prst="rect">
+            <a:avLst/>
+          </a:prstGeom>
+          <a:noFill/>
+        </p:spPr>
+        <p:txBody>
+          <a:bodyPr wrap="none" rtlCol="0">
+            <a:spAutoFit/>
+          </a:bodyPr>
+          <a:lstStyle/>
+          <a:p>
+            <a:r>
+              <a:rPr kumimoji="1" lang="zh-CN" altLang="en-US" dirty="0"/>
+              <a:t>欧版</a:t>
+            </a:r>
+            <a:r>
+              <a:rPr kumimoji="1" lang="en-US" altLang="zh-CN" dirty="0"/>
+              <a:t>20</a:t>
+            </a:r>
+            <a:r>
+              <a:rPr kumimoji="1" lang="zh-CN" altLang="en-US" dirty="0"/>
+              <a:t>*</a:t>
+            </a:r>
+            <a:r>
+              <a:rPr kumimoji="1" lang="en-US" altLang="zh-CN" dirty="0"/>
+              <a:t>20</a:t>
+            </a:r>
+            <a:r>
+              <a:rPr kumimoji="1" lang="zh-CN" altLang="en-US" dirty="0"/>
+              <a:t>铝型材</a:t>
+            </a:r>
+          </a:p>
+        </p:txBody>
+      </p:sp>
+    </p:spTree>
+    <p:extLst>
+      <p:ext uri="{BB962C8B-B14F-4D97-AF65-F5344CB8AC3E}">
+        <p14:creationId xmlns:p14="http://schemas.microsoft.com/office/powerpoint/2010/main" val="757331699"/>
+      </p:ext>
+    </p:extLst>
+  </p:cSld>
+  <p:clrMapOvr>
+    <a:masterClrMapping/>
+  </p:clrMapOvr>
+</p:sld>
+</file>
+
+<file path=ppt/slides/slide2.xml><?xml version="1.0" encoding="utf-8"?>
+<p:sld xmlns:a="http://schemas.openxmlformats.org/drawingml/2006/main" xmlns:r="http://schemas.openxmlformats.org/officeDocument/2006/relationships" xmlns:p="http://schemas.openxmlformats.org/presentationml/2006/main">
+  <p:cSld>
+    <p:spTree>
+      <p:nvGrpSpPr>
+        <p:cNvPr id="1" name=""/>
+        <p:cNvGrpSpPr/>
+        <p:nvPr/>
+      </p:nvGrpSpPr>
+      <p:grpSpPr>
+        <a:xfrm>
+          <a:off x="0" y="0"/>
+          <a:ext cx="0" cy="0"/>
+          <a:chOff x="0" y="0"/>
+          <a:chExt cx="0" cy="0"/>
+        </a:xfrm>
+      </p:grpSpPr>
       <p:sp>
         <p:nvSpPr>
           <p:cNvPr id="4" name="矩形 3">
@@ -3468,6 +3579,19 @@
               <a:rPr kumimoji="1" lang="en-US" altLang="zh-CN" dirty="0"/>
               <a:t>383</a:t>
             </a:r>
+            <a:r>
+              <a:rPr kumimoji="1" lang="zh-CN" altLang="en-US" dirty="0"/>
+              <a:t> 或 </a:t>
+            </a:r>
+            <a:r>
+              <a:rPr kumimoji="1" lang="en-US" altLang="zh-CN" dirty="0"/>
+              <a:t>300</a:t>
+            </a:r>
+            <a:r>
+              <a:rPr kumimoji="1" lang="zh-CN" altLang="en-US" dirty="0"/>
+              <a:t>（无屋檐）</a:t>
+            </a:r>
+            <a:endParaRPr kumimoji="1" lang="en-US" altLang="zh-CN" dirty="0"/>
           </a:p>
           <a:p>
             <a:pPr algn="ctr"/>
@@ -3547,12 +3671,25 @@
               <a:rPr kumimoji="1" lang="en-US" altLang="zh-CN" dirty="0"/>
               <a:t>356</a:t>
             </a:r>
+            <a:r>
+              <a:rPr kumimoji="1" lang="zh-CN" altLang="en-US" dirty="0"/>
+              <a:t> 或 </a:t>
+            </a:r>
+            <a:r>
+              <a:rPr kumimoji="1" lang="en-US" altLang="zh-CN" dirty="0"/>
+              <a:t>265</a:t>
+            </a:r>
+            <a:r>
+              <a:rPr kumimoji="1" lang="zh-CN" altLang="en-US" dirty="0"/>
+              <a:t>（无屋檐）</a:t>
+            </a:r>
+            <a:endParaRPr kumimoji="1" lang="en-US" altLang="zh-CN" dirty="0"/>
           </a:p>
           <a:p>
             <a:pPr algn="ctr"/>
             <a:r>
               <a:rPr kumimoji="1" lang="zh-CN" altLang="en-US" dirty="0"/>
-              <a:t>数量：</a:t>
+              <a:t> 数量：</a:t>
             </a:r>
             <a:r>
               <a:rPr kumimoji="1" lang="en-US" altLang="zh-CN" dirty="0"/>
@@ -4006,7 +4143,7 @@
 </p:sld>
 </file>
 
-<file path=ppt/slides/slide2.xml><?xml version="1.0" encoding="utf-8"?>
+<file path=ppt/slides/slide3.xml><?xml version="1.0" encoding="utf-8"?>
 <p:sld xmlns:a="http://schemas.openxmlformats.org/drawingml/2006/main" xmlns:r="http://schemas.openxmlformats.org/officeDocument/2006/relationships" xmlns:p="http://schemas.openxmlformats.org/presentationml/2006/main">
   <p:cSld>
     <p:spTree>
@@ -4342,8 +4479,8 @@
               <a:t>厚的木板，</a:t>
             </a:r>
             <a:r>
-              <a:rPr kumimoji="1" lang="en-US" altLang="zh-CN" sz="1800" dirty="0"/>
-              <a:t>1</a:t>
+              <a:rPr kumimoji="1" lang="en-US" altLang="zh-CN" dirty="0"/>
+              <a:t>2</a:t>
             </a:r>
             <a:r>
               <a:rPr kumimoji="1" lang="zh-CN" altLang="en-US" sz="1800" dirty="0"/>
@@ -4356,369 +4493,6 @@
     <p:extLst>
       <p:ext uri="{BB962C8B-B14F-4D97-AF65-F5344CB8AC3E}">
         <p14:creationId xmlns:p14="http://schemas.microsoft.com/office/powerpoint/2010/main" val="2874680491"/>
-      </p:ext>
-    </p:extLst>
-  </p:cSld>
-  <p:clrMapOvr>
-    <a:masterClrMapping/>
-  </p:clrMapOvr>
-</p:sld>
-</file>
-
-<file path=ppt/slides/slide3.xml><?xml version="1.0" encoding="utf-8"?>
-<p:sld xmlns:a="http://schemas.openxmlformats.org/drawingml/2006/main" xmlns:r="http://schemas.openxmlformats.org/officeDocument/2006/relationships" xmlns:p="http://schemas.openxmlformats.org/presentationml/2006/main">
-  <p:cSld>
-    <p:spTree>
-      <p:nvGrpSpPr>
-        <p:cNvPr id="1" name=""/>
-        <p:cNvGrpSpPr/>
-        <p:nvPr/>
-      </p:nvGrpSpPr>
-      <p:grpSpPr>
-        <a:xfrm>
-          <a:off x="0" y="0"/>
-          <a:ext cx="0" cy="0"/>
-          <a:chOff x="0" y="0"/>
-          <a:chExt cx="0" cy="0"/>
-        </a:xfrm>
-      </p:grpSpPr>
-      <p:pic>
-        <p:nvPicPr>
-          <p:cNvPr id="9" name="图片 8">
-            <a:extLst>
-              <a:ext uri="{FF2B5EF4-FFF2-40B4-BE49-F238E27FC236}">
-                <a16:creationId xmlns:a16="http://schemas.microsoft.com/office/drawing/2014/main" id="{247C4DE4-E9E1-AD49-ADCD-6831E207BE3F}"/>
-              </a:ext>
-            </a:extLst>
-          </p:cNvPr>
-          <p:cNvPicPr>
-            <a:picLocks noChangeAspect="1"/>
-          </p:cNvPicPr>
-          <p:nvPr/>
-        </p:nvPicPr>
-        <p:blipFill>
-          <a:blip r:embed="rId2"/>
-          <a:stretch>
-            <a:fillRect/>
-          </a:stretch>
-        </p:blipFill>
-        <p:spPr>
-          <a:xfrm>
-            <a:off x="1426345" y="1616462"/>
-            <a:ext cx="10972484" cy="3625075"/>
-          </a:xfrm>
-          <a:prstGeom prst="rect">
-            <a:avLst/>
-          </a:prstGeom>
-        </p:spPr>
-      </p:pic>
-      <p:sp>
-        <p:nvSpPr>
-          <p:cNvPr id="11" name="文本框 10">
-            <a:extLst>
-              <a:ext uri="{FF2B5EF4-FFF2-40B4-BE49-F238E27FC236}">
-                <a16:creationId xmlns:a16="http://schemas.microsoft.com/office/drawing/2014/main" id="{12D639DF-FCB4-A34D-9880-379803F96077}"/>
-              </a:ext>
-            </a:extLst>
-          </p:cNvPr>
-          <p:cNvSpPr txBox="1"/>
-          <p:nvPr/>
-        </p:nvSpPr>
-        <p:spPr>
-          <a:xfrm>
-            <a:off x="2013857" y="2512629"/>
-            <a:ext cx="6096000" cy="369332"/>
-          </a:xfrm>
-          <a:prstGeom prst="rect">
-            <a:avLst/>
-          </a:prstGeom>
-          <a:noFill/>
-        </p:spPr>
-        <p:txBody>
-          <a:bodyPr wrap="square">
-            <a:spAutoFit/>
-          </a:bodyPr>
-          <a:lstStyle/>
-          <a:p>
-            <a:r>
-              <a:rPr lang="en-US" altLang="zh-CN" b="1" dirty="0">
-                <a:effectLst/>
-                <a:latin typeface="+mn-ea"/>
-              </a:rPr>
-              <a:t>540mm</a:t>
-            </a:r>
-            <a:r>
-              <a:rPr lang="zh-CN" altLang="en-US" b="1" dirty="0">
-                <a:effectLst/>
-                <a:latin typeface="+mn-ea"/>
-              </a:rPr>
-              <a:t>，</a:t>
-            </a:r>
-            <a:r>
-              <a:rPr lang="en-US" altLang="zh-CN" b="1" dirty="0">
-                <a:effectLst/>
-                <a:latin typeface="+mn-ea"/>
-              </a:rPr>
-              <a:t>2</a:t>
-            </a:r>
-            <a:r>
-              <a:rPr lang="zh-CN" altLang="en-US" b="1" dirty="0">
-                <a:effectLst/>
-                <a:latin typeface="+mn-ea"/>
-              </a:rPr>
-              <a:t>根</a:t>
-            </a:r>
-          </a:p>
-        </p:txBody>
-      </p:sp>
-      <p:sp>
-        <p:nvSpPr>
-          <p:cNvPr id="12" name="文本框 11">
-            <a:extLst>
-              <a:ext uri="{FF2B5EF4-FFF2-40B4-BE49-F238E27FC236}">
-                <a16:creationId xmlns:a16="http://schemas.microsoft.com/office/drawing/2014/main" id="{7542364C-FAE4-0E40-910F-E5A9EF9A3CC3}"/>
-              </a:ext>
-            </a:extLst>
-          </p:cNvPr>
-          <p:cNvSpPr txBox="1"/>
-          <p:nvPr/>
-        </p:nvSpPr>
-        <p:spPr>
-          <a:xfrm>
-            <a:off x="2013857" y="2981700"/>
-            <a:ext cx="6096000" cy="369332"/>
-          </a:xfrm>
-          <a:prstGeom prst="rect">
-            <a:avLst/>
-          </a:prstGeom>
-          <a:noFill/>
-        </p:spPr>
-        <p:txBody>
-          <a:bodyPr wrap="square">
-            <a:spAutoFit/>
-          </a:bodyPr>
-          <a:lstStyle/>
-          <a:p>
-            <a:r>
-              <a:rPr lang="en-US" altLang="zh-CN" b="1" dirty="0">
-                <a:latin typeface="+mn-ea"/>
-              </a:rPr>
-              <a:t>500mm</a:t>
-            </a:r>
-            <a:r>
-              <a:rPr lang="zh-CN" altLang="en-US" b="1" dirty="0">
-                <a:latin typeface="+mn-ea"/>
-              </a:rPr>
-              <a:t>，</a:t>
-            </a:r>
-            <a:r>
-              <a:rPr lang="en-US" altLang="zh-CN" b="1" dirty="0">
-                <a:latin typeface="+mn-ea"/>
-              </a:rPr>
-              <a:t>8</a:t>
-            </a:r>
-            <a:r>
-              <a:rPr lang="zh-CN" altLang="en-US" b="1" dirty="0">
-                <a:latin typeface="+mn-ea"/>
-              </a:rPr>
-              <a:t>根</a:t>
-            </a:r>
-          </a:p>
-        </p:txBody>
-      </p:sp>
-      <p:sp>
-        <p:nvSpPr>
-          <p:cNvPr id="13" name="文本框 12">
-            <a:extLst>
-              <a:ext uri="{FF2B5EF4-FFF2-40B4-BE49-F238E27FC236}">
-                <a16:creationId xmlns:a16="http://schemas.microsoft.com/office/drawing/2014/main" id="{B04BDB9E-BE11-7442-9210-7A4E25336E04}"/>
-              </a:ext>
-            </a:extLst>
-          </p:cNvPr>
-          <p:cNvSpPr txBox="1"/>
-          <p:nvPr/>
-        </p:nvSpPr>
-        <p:spPr>
-          <a:xfrm>
-            <a:off x="2100943" y="3443914"/>
-            <a:ext cx="6096000" cy="369332"/>
-          </a:xfrm>
-          <a:prstGeom prst="rect">
-            <a:avLst/>
-          </a:prstGeom>
-          <a:noFill/>
-        </p:spPr>
-        <p:txBody>
-          <a:bodyPr wrap="square">
-            <a:spAutoFit/>
-          </a:bodyPr>
-          <a:lstStyle/>
-          <a:p>
-            <a:r>
-              <a:rPr lang="en-US" altLang="zh-CN" b="1" dirty="0">
-                <a:latin typeface="+mn-ea"/>
-              </a:rPr>
-              <a:t>300mm</a:t>
-            </a:r>
-            <a:r>
-              <a:rPr lang="zh-CN" altLang="en-US" b="1" dirty="0">
-                <a:latin typeface="+mn-ea"/>
-              </a:rPr>
-              <a:t>，</a:t>
-            </a:r>
-            <a:r>
-              <a:rPr lang="en-US" altLang="zh-CN" b="1" dirty="0">
-                <a:latin typeface="+mn-ea"/>
-              </a:rPr>
-              <a:t>4</a:t>
-            </a:r>
-            <a:r>
-              <a:rPr lang="zh-CN" altLang="en-US" b="1" dirty="0">
-                <a:latin typeface="+mn-ea"/>
-              </a:rPr>
-              <a:t>根</a:t>
-            </a:r>
-          </a:p>
-        </p:txBody>
-      </p:sp>
-      <p:sp>
-        <p:nvSpPr>
-          <p:cNvPr id="14" name="文本框 13">
-            <a:extLst>
-              <a:ext uri="{FF2B5EF4-FFF2-40B4-BE49-F238E27FC236}">
-                <a16:creationId xmlns:a16="http://schemas.microsoft.com/office/drawing/2014/main" id="{07424470-25CE-2C43-8E8D-EBE6978017BD}"/>
-              </a:ext>
-            </a:extLst>
-          </p:cNvPr>
-          <p:cNvSpPr txBox="1"/>
-          <p:nvPr/>
-        </p:nvSpPr>
-        <p:spPr>
-          <a:xfrm>
-            <a:off x="620486" y="3880511"/>
-            <a:ext cx="6096000" cy="369332"/>
-          </a:xfrm>
-          <a:prstGeom prst="rect">
-            <a:avLst/>
-          </a:prstGeom>
-          <a:noFill/>
-        </p:spPr>
-        <p:txBody>
-          <a:bodyPr wrap="square">
-            <a:spAutoFit/>
-          </a:bodyPr>
-          <a:lstStyle/>
-          <a:p>
-            <a:r>
-              <a:rPr lang="en-US" altLang="zh-CN" b="1" dirty="0">
-                <a:latin typeface="+mn-ea"/>
-              </a:rPr>
-              <a:t>500mm</a:t>
-            </a:r>
-            <a:r>
-              <a:rPr lang="zh-CN" altLang="en-US" b="1" dirty="0">
-                <a:latin typeface="+mn-ea"/>
-              </a:rPr>
-              <a:t>，</a:t>
-            </a:r>
-            <a:r>
-              <a:rPr lang="en-US" altLang="zh-CN" b="1" dirty="0">
-                <a:latin typeface="+mn-ea"/>
-              </a:rPr>
-              <a:t>4</a:t>
-            </a:r>
-            <a:r>
-              <a:rPr lang="zh-CN" altLang="en-US" b="1" dirty="0">
-                <a:latin typeface="+mn-ea"/>
-              </a:rPr>
-              <a:t>根，一头切</a:t>
-            </a:r>
-            <a:r>
-              <a:rPr lang="en-US" altLang="zh-CN" b="1" dirty="0">
-                <a:latin typeface="+mn-ea"/>
-              </a:rPr>
-              <a:t>45</a:t>
-            </a:r>
-            <a:r>
-              <a:rPr lang="zh-CN" altLang="en-US" b="1" dirty="0">
-                <a:latin typeface="+mn-ea"/>
-              </a:rPr>
-              <a:t>度角</a:t>
-            </a:r>
-          </a:p>
-        </p:txBody>
-      </p:sp>
-      <p:sp>
-        <p:nvSpPr>
-          <p:cNvPr id="15" name="文本框 14">
-            <a:extLst>
-              <a:ext uri="{FF2B5EF4-FFF2-40B4-BE49-F238E27FC236}">
-                <a16:creationId xmlns:a16="http://schemas.microsoft.com/office/drawing/2014/main" id="{E32DC561-FB97-AF4D-91A6-C97701A62978}"/>
-              </a:ext>
-            </a:extLst>
-          </p:cNvPr>
-          <p:cNvSpPr txBox="1"/>
-          <p:nvPr/>
-        </p:nvSpPr>
-        <p:spPr>
-          <a:xfrm>
-            <a:off x="0" y="4446879"/>
-            <a:ext cx="6096000" cy="369332"/>
-          </a:xfrm>
-          <a:prstGeom prst="rect">
-            <a:avLst/>
-          </a:prstGeom>
-          <a:noFill/>
-        </p:spPr>
-        <p:txBody>
-          <a:bodyPr wrap="square">
-            <a:spAutoFit/>
-          </a:bodyPr>
-          <a:lstStyle/>
-          <a:p>
-            <a:r>
-              <a:rPr lang="en-US" altLang="zh-CN" b="1" dirty="0">
-                <a:latin typeface="+mn-ea"/>
-              </a:rPr>
-              <a:t>305mm</a:t>
-            </a:r>
-            <a:r>
-              <a:rPr lang="zh-CN" altLang="en-US" b="1" dirty="0">
-                <a:latin typeface="+mn-ea"/>
-              </a:rPr>
-              <a:t>，</a:t>
-            </a:r>
-            <a:r>
-              <a:rPr lang="en-US" altLang="zh-CN" b="1" dirty="0">
-                <a:latin typeface="+mn-ea"/>
-              </a:rPr>
-              <a:t>8</a:t>
-            </a:r>
-            <a:r>
-              <a:rPr lang="zh-CN" altLang="en-US" b="1" dirty="0">
-                <a:latin typeface="+mn-ea"/>
-              </a:rPr>
-              <a:t>根，两头切相反的</a:t>
-            </a:r>
-            <a:r>
-              <a:rPr lang="en-US" altLang="zh-CN" b="1" dirty="0">
-                <a:latin typeface="+mn-ea"/>
-              </a:rPr>
-              <a:t>45</a:t>
-            </a:r>
-            <a:r>
-              <a:rPr lang="zh-CN" altLang="en-US" b="1" dirty="0">
-                <a:latin typeface="+mn-ea"/>
-              </a:rPr>
-              <a:t>度角</a:t>
-            </a:r>
-          </a:p>
-        </p:txBody>
-      </p:sp>
-    </p:spTree>
-    <p:extLst>
-      <p:ext uri="{BB962C8B-B14F-4D97-AF65-F5344CB8AC3E}">
-        <p14:creationId xmlns:p14="http://schemas.microsoft.com/office/powerpoint/2010/main" val="757331699"/>
       </p:ext>
     </p:extLst>
   </p:cSld>

--- a/attachments/物料表.pptx
+++ b/attachments/物料表.pptx
@@ -261,7 +261,7 @@
           <a:p>
             <a:fld id="{B790B805-9D30-8D47-A2FA-CE272D4C227A}" type="datetimeFigureOut">
               <a:rPr kumimoji="1" lang="zh-CN" altLang="en-US" smtClean="0"/>
-              <a:t>2022/1/21</a:t>
+              <a:t>2022/2/11</a:t>
             </a:fld>
             <a:endParaRPr kumimoji="1" lang="zh-CN" altLang="en-US"/>
           </a:p>
@@ -459,7 +459,7 @@
           <a:p>
             <a:fld id="{B790B805-9D30-8D47-A2FA-CE272D4C227A}" type="datetimeFigureOut">
               <a:rPr kumimoji="1" lang="zh-CN" altLang="en-US" smtClean="0"/>
-              <a:t>2022/1/21</a:t>
+              <a:t>2022/2/11</a:t>
             </a:fld>
             <a:endParaRPr kumimoji="1" lang="zh-CN" altLang="en-US"/>
           </a:p>
@@ -667,7 +667,7 @@
           <a:p>
             <a:fld id="{B790B805-9D30-8D47-A2FA-CE272D4C227A}" type="datetimeFigureOut">
               <a:rPr kumimoji="1" lang="zh-CN" altLang="en-US" smtClean="0"/>
-              <a:t>2022/1/21</a:t>
+              <a:t>2022/2/11</a:t>
             </a:fld>
             <a:endParaRPr kumimoji="1" lang="zh-CN" altLang="en-US"/>
           </a:p>
@@ -865,7 +865,7 @@
           <a:p>
             <a:fld id="{B790B805-9D30-8D47-A2FA-CE272D4C227A}" type="datetimeFigureOut">
               <a:rPr kumimoji="1" lang="zh-CN" altLang="en-US" smtClean="0"/>
-              <a:t>2022/1/21</a:t>
+              <a:t>2022/2/11</a:t>
             </a:fld>
             <a:endParaRPr kumimoji="1" lang="zh-CN" altLang="en-US"/>
           </a:p>
@@ -1140,7 +1140,7 @@
           <a:p>
             <a:fld id="{B790B805-9D30-8D47-A2FA-CE272D4C227A}" type="datetimeFigureOut">
               <a:rPr kumimoji="1" lang="zh-CN" altLang="en-US" smtClean="0"/>
-              <a:t>2022/1/21</a:t>
+              <a:t>2022/2/11</a:t>
             </a:fld>
             <a:endParaRPr kumimoji="1" lang="zh-CN" altLang="en-US"/>
           </a:p>
@@ -1405,7 +1405,7 @@
           <a:p>
             <a:fld id="{B790B805-9D30-8D47-A2FA-CE272D4C227A}" type="datetimeFigureOut">
               <a:rPr kumimoji="1" lang="zh-CN" altLang="en-US" smtClean="0"/>
-              <a:t>2022/1/21</a:t>
+              <a:t>2022/2/11</a:t>
             </a:fld>
             <a:endParaRPr kumimoji="1" lang="zh-CN" altLang="en-US"/>
           </a:p>
@@ -1817,7 +1817,7 @@
           <a:p>
             <a:fld id="{B790B805-9D30-8D47-A2FA-CE272D4C227A}" type="datetimeFigureOut">
               <a:rPr kumimoji="1" lang="zh-CN" altLang="en-US" smtClean="0"/>
-              <a:t>2022/1/21</a:t>
+              <a:t>2022/2/11</a:t>
             </a:fld>
             <a:endParaRPr kumimoji="1" lang="zh-CN" altLang="en-US"/>
           </a:p>
@@ -1958,7 +1958,7 @@
           <a:p>
             <a:fld id="{B790B805-9D30-8D47-A2FA-CE272D4C227A}" type="datetimeFigureOut">
               <a:rPr kumimoji="1" lang="zh-CN" altLang="en-US" smtClean="0"/>
-              <a:t>2022/1/21</a:t>
+              <a:t>2022/2/11</a:t>
             </a:fld>
             <a:endParaRPr kumimoji="1" lang="zh-CN" altLang="en-US"/>
           </a:p>
@@ -2071,7 +2071,7 @@
           <a:p>
             <a:fld id="{B790B805-9D30-8D47-A2FA-CE272D4C227A}" type="datetimeFigureOut">
               <a:rPr kumimoji="1" lang="zh-CN" altLang="en-US" smtClean="0"/>
-              <a:t>2022/1/21</a:t>
+              <a:t>2022/2/11</a:t>
             </a:fld>
             <a:endParaRPr kumimoji="1" lang="zh-CN" altLang="en-US"/>
           </a:p>
@@ -2382,7 +2382,7 @@
           <a:p>
             <a:fld id="{B790B805-9D30-8D47-A2FA-CE272D4C227A}" type="datetimeFigureOut">
               <a:rPr kumimoji="1" lang="zh-CN" altLang="en-US" smtClean="0"/>
-              <a:t>2022/1/21</a:t>
+              <a:t>2022/2/11</a:t>
             </a:fld>
             <a:endParaRPr kumimoji="1" lang="zh-CN" altLang="en-US"/>
           </a:p>
@@ -2670,7 +2670,7 @@
           <a:p>
             <a:fld id="{B790B805-9D30-8D47-A2FA-CE272D4C227A}" type="datetimeFigureOut">
               <a:rPr kumimoji="1" lang="zh-CN" altLang="en-US" smtClean="0"/>
-              <a:t>2022/1/21</a:t>
+              <a:t>2022/2/11</a:t>
             </a:fld>
             <a:endParaRPr kumimoji="1" lang="zh-CN" altLang="en-US"/>
           </a:p>
@@ -2911,7 +2911,7 @@
           <a:p>
             <a:fld id="{B790B805-9D30-8D47-A2FA-CE272D4C227A}" type="datetimeFigureOut">
               <a:rPr kumimoji="1" lang="zh-CN" altLang="en-US" smtClean="0"/>
-              <a:t>2022/1/21</a:t>
+              <a:t>2022/2/11</a:t>
             </a:fld>
             <a:endParaRPr kumimoji="1" lang="zh-CN" altLang="en-US"/>
           </a:p>
@@ -3483,11 +3483,19 @@
             <a:pPr algn="ctr"/>
             <a:r>
               <a:rPr kumimoji="1" lang="zh-CN" altLang="en-US" dirty="0"/>
-              <a:t>长</a:t>
+              <a:t>带</a:t>
             </a:r>
             <a:r>
               <a:rPr kumimoji="1" lang="en-US" altLang="zh-CN" dirty="0"/>
-              <a:t>574</a:t>
+              <a:t>2</a:t>
+            </a:r>
+            <a:r>
+              <a:rPr kumimoji="1" lang="zh-CN" altLang="en-US"/>
+              <a:t>个缺口长</a:t>
+            </a:r>
+            <a:r>
+              <a:rPr kumimoji="1" lang="en-US" altLang="zh-CN" dirty="0"/>
+              <a:t>564</a:t>
             </a:r>
           </a:p>
           <a:p>
@@ -3498,7 +3506,7 @@
             </a:r>
             <a:r>
               <a:rPr kumimoji="1" lang="en-US" altLang="zh-CN" dirty="0"/>
-              <a:t>463</a:t>
+              <a:t>468</a:t>
             </a:r>
           </a:p>
           <a:p>
@@ -3566,7 +3574,7 @@
             </a:r>
             <a:r>
               <a:rPr kumimoji="1" lang="en-US" altLang="zh-CN" dirty="0"/>
-              <a:t>574</a:t>
+              <a:t>588</a:t>
             </a:r>
           </a:p>
           <a:p>
@@ -3577,15 +3585,7 @@
             </a:r>
             <a:r>
               <a:rPr kumimoji="1" lang="en-US" altLang="zh-CN" dirty="0"/>
-              <a:t>383</a:t>
-            </a:r>
-            <a:r>
-              <a:rPr kumimoji="1" lang="zh-CN" altLang="en-US" dirty="0"/>
-              <a:t> 或 </a:t>
-            </a:r>
-            <a:r>
-              <a:rPr kumimoji="1" lang="en-US" altLang="zh-CN" dirty="0"/>
-              <a:t>300</a:t>
+              <a:t>258</a:t>
             </a:r>
             <a:r>
               <a:rPr kumimoji="1" lang="zh-CN" altLang="en-US" dirty="0"/>
@@ -3658,7 +3658,7 @@
             </a:r>
             <a:r>
               <a:rPr kumimoji="1" lang="en-US" altLang="zh-CN" dirty="0"/>
-              <a:t>574</a:t>
+              <a:t>588</a:t>
             </a:r>
           </a:p>
           <a:p>
@@ -3669,15 +3669,7 @@
             </a:r>
             <a:r>
               <a:rPr kumimoji="1" lang="en-US" altLang="zh-CN" dirty="0"/>
-              <a:t>356</a:t>
-            </a:r>
-            <a:r>
-              <a:rPr kumimoji="1" lang="zh-CN" altLang="en-US" dirty="0"/>
-              <a:t> 或 </a:t>
-            </a:r>
-            <a:r>
-              <a:rPr kumimoji="1" lang="en-US" altLang="zh-CN" dirty="0"/>
-              <a:t>265</a:t>
+              <a:t>282</a:t>
             </a:r>
             <a:r>
               <a:rPr kumimoji="1" lang="zh-CN" altLang="en-US" dirty="0"/>
@@ -4113,7 +4105,7 @@
           <a:p>
             <a:r>
               <a:rPr kumimoji="1" lang="en-US" altLang="zh-CN" sz="3600" dirty="0"/>
-              <a:t>17mm</a:t>
+              <a:t>12mm</a:t>
             </a:r>
             <a:r>
               <a:rPr kumimoji="1" lang="zh-CN" altLang="en-US" sz="3600" dirty="0"/>
@@ -4121,10 +4113,89 @@
             </a:r>
             <a:r>
               <a:rPr kumimoji="1" lang="en-US" altLang="zh-CN" sz="3600" dirty="0"/>
-              <a:t>8</a:t>
+              <a:t>9</a:t>
             </a:r>
             <a:r>
               <a:rPr kumimoji="1" lang="zh-CN" altLang="en-US" sz="3600" dirty="0"/>
+              <a:t>块</a:t>
+            </a:r>
+          </a:p>
+        </p:txBody>
+      </p:sp>
+      <p:sp>
+        <p:nvSpPr>
+          <p:cNvPr id="15" name="矩形 14">
+            <a:extLst>
+              <a:ext uri="{FF2B5EF4-FFF2-40B4-BE49-F238E27FC236}">
+                <a16:creationId xmlns:a16="http://schemas.microsoft.com/office/drawing/2014/main" id="{A1C621AA-BC88-5845-8D66-9CF49565D6E9}"/>
+              </a:ext>
+            </a:extLst>
+          </p:cNvPr>
+          <p:cNvSpPr/>
+          <p:nvPr/>
+        </p:nvSpPr>
+        <p:spPr>
+          <a:xfrm>
+            <a:off x="840259" y="5511113"/>
+            <a:ext cx="2644346" cy="1272746"/>
+          </a:xfrm>
+          <a:prstGeom prst="rect">
+            <a:avLst/>
+          </a:prstGeom>
+        </p:spPr>
+        <p:style>
+          <a:lnRef idx="2">
+            <a:schemeClr val="accent1">
+              <a:shade val="50000"/>
+            </a:schemeClr>
+          </a:lnRef>
+          <a:fillRef idx="1">
+            <a:schemeClr val="accent1"/>
+          </a:fillRef>
+          <a:effectRef idx="0">
+            <a:schemeClr val="accent1"/>
+          </a:effectRef>
+          <a:fontRef idx="minor">
+            <a:schemeClr val="lt1"/>
+          </a:fontRef>
+        </p:style>
+        <p:txBody>
+          <a:bodyPr rtlCol="0" anchor="ctr"/>
+          <a:lstStyle/>
+          <a:p>
+            <a:pPr algn="ctr"/>
+            <a:r>
+              <a:rPr kumimoji="1" lang="zh-CN" altLang="en-US" dirty="0"/>
+              <a:t>带孔长</a:t>
+            </a:r>
+            <a:r>
+              <a:rPr kumimoji="1" lang="en-US" altLang="zh-CN" dirty="0"/>
+              <a:t>500</a:t>
+            </a:r>
+          </a:p>
+          <a:p>
+            <a:pPr algn="ctr"/>
+            <a:r>
+              <a:rPr kumimoji="1" lang="zh-CN" altLang="en-US" dirty="0"/>
+              <a:t>宽</a:t>
+            </a:r>
+            <a:r>
+              <a:rPr kumimoji="1" lang="en-US" altLang="zh-CN" dirty="0"/>
+              <a:t>300</a:t>
+            </a:r>
+          </a:p>
+          <a:p>
+            <a:pPr algn="ctr"/>
+            <a:r>
+              <a:rPr kumimoji="1" lang="zh-CN" altLang="en-US" dirty="0"/>
+              <a:t>数量：</a:t>
+            </a:r>
+            <a:r>
+              <a:rPr kumimoji="1" lang="en-US" altLang="zh-CN" dirty="0"/>
+              <a:t>1</a:t>
+            </a:r>
+            <a:r>
+              <a:rPr kumimoji="1" lang="zh-CN" altLang="en-US" dirty="0"/>
               <a:t>块</a:t>
             </a:r>
           </a:p>
@@ -4472,7 +4543,7 @@
           <a:p>
             <a:r>
               <a:rPr kumimoji="1" lang="en-US" altLang="zh-CN" sz="1800" dirty="0"/>
-              <a:t>20mm</a:t>
+              <a:t>12mm</a:t>
             </a:r>
             <a:r>
               <a:rPr kumimoji="1" lang="zh-CN" altLang="en-US" sz="1800" dirty="0"/>
